--- a/Clase2/Reto1.pptx
+++ b/Clase2/Reto1.pptx
@@ -113,6 +113,11 @@
       </a:defRPr>
     </a:lvl9pPr>
   </p:defaultTextStyle>
+  <p:extLst>
+    <p:ext uri="{EFAFB233-063F-42B5-8137-9DF3F51BA10A}">
+      <p15:sldGuideLst xmlns:p15="http://schemas.microsoft.com/office/powerpoint/2012/main"/>
+    </p:ext>
+  </p:extLst>
 </p:presentation>
 </file>
 
@@ -198,7 +203,7 @@
           <a:p>
             <a:fld id="{779F35F3-3585-4862-A603-A4CCF9E4A2D3}" type="datetimeFigureOut">
               <a:rPr lang="es-CO" smtClean="0"/>
-              <a:t>3/01/2020</a:t>
+              <a:t>26/01/20</a:t>
             </a:fld>
             <a:endParaRPr lang="es-CO"/>
           </a:p>
@@ -262,35 +267,35 @@
           <a:p>
             <a:pPr lvl="0"/>
             <a:r>
-              <a:rPr lang="es-ES" smtClean="0"/>
+              <a:rPr lang="es-ES"/>
               <a:t>Editar el estilo de texto del patrón</a:t>
             </a:r>
           </a:p>
           <a:p>
             <a:pPr lvl="1"/>
             <a:r>
-              <a:rPr lang="es-ES" smtClean="0"/>
+              <a:rPr lang="es-ES"/>
               <a:t>Segundo nivel</a:t>
             </a:r>
           </a:p>
           <a:p>
             <a:pPr lvl="2"/>
             <a:r>
-              <a:rPr lang="es-ES" smtClean="0"/>
+              <a:rPr lang="es-ES"/>
               <a:t>Tercer nivel</a:t>
             </a:r>
           </a:p>
           <a:p>
             <a:pPr lvl="3"/>
             <a:r>
-              <a:rPr lang="es-ES" smtClean="0"/>
+              <a:rPr lang="es-ES"/>
               <a:t>Cuarto nivel</a:t>
             </a:r>
           </a:p>
           <a:p>
             <a:pPr lvl="4"/>
             <a:r>
-              <a:rPr lang="es-ES" smtClean="0"/>
+              <a:rPr lang="es-ES"/>
               <a:t>Quinto nivel</a:t>
             </a:r>
             <a:endParaRPr lang="es-CO"/>
@@ -357,7 +362,7 @@
           <a:p>
             <a:fld id="{8A382568-B337-471F-A353-AC29419D818C}" type="slidenum">
               <a:rPr lang="es-CO" smtClean="0"/>
-              <a:t>‹Nº›</a:t>
+              <a:t>‹#›</a:t>
             </a:fld>
             <a:endParaRPr lang="es-CO"/>
           </a:p>
@@ -705,7 +710,7 @@
           </a:lstStyle>
           <a:p>
             <a:r>
-              <a:rPr lang="es-ES" smtClean="0"/>
+              <a:rPr lang="es-ES"/>
               <a:t>Haga clic para modificar el estilo de título del patrón</a:t>
             </a:r>
             <a:endParaRPr lang="en-US" dirty="0"/>
@@ -777,7 +782,7 @@
           </a:lstStyle>
           <a:p>
             <a:r>
-              <a:rPr lang="es-ES" smtClean="0"/>
+              <a:rPr lang="es-ES"/>
               <a:t>Haga clic para editar el estilo de subtítulo del patrón</a:t>
             </a:r>
             <a:endParaRPr lang="en-US" dirty="0"/>
@@ -801,7 +806,7 @@
           <a:p>
             <a:fld id="{72489BAA-7979-4517-8966-61BA85DC7F72}" type="datetimeFigureOut">
               <a:rPr lang="es-CO" smtClean="0"/>
-              <a:t>3/01/2020</a:t>
+              <a:t>26/01/20</a:t>
             </a:fld>
             <a:endParaRPr lang="es-CO"/>
           </a:p>
@@ -843,7 +848,7 @@
           <a:p>
             <a:fld id="{B509982A-2996-4852-B672-3806382D2A86}" type="slidenum">
               <a:rPr lang="es-CO" smtClean="0"/>
-              <a:t>‹Nº›</a:t>
+              <a:t>‹#›</a:t>
             </a:fld>
             <a:endParaRPr lang="es-CO"/>
           </a:p>
@@ -933,7 +938,7 @@
           <a:lstStyle/>
           <a:p>
             <a:r>
-              <a:rPr lang="es-ES" smtClean="0"/>
+              <a:rPr lang="es-ES"/>
               <a:t>Haga clic para modificar el estilo de título del patrón</a:t>
             </a:r>
             <a:endParaRPr lang="en-US" dirty="0"/>
@@ -957,35 +962,35 @@
           <a:p>
             <a:pPr lvl="0"/>
             <a:r>
-              <a:rPr lang="es-ES" smtClean="0"/>
+              <a:rPr lang="es-ES"/>
               <a:t>Editar el estilo de texto del patrón</a:t>
             </a:r>
           </a:p>
           <a:p>
             <a:pPr lvl="1"/>
             <a:r>
-              <a:rPr lang="es-ES" smtClean="0"/>
+              <a:rPr lang="es-ES"/>
               <a:t>Segundo nivel</a:t>
             </a:r>
           </a:p>
           <a:p>
             <a:pPr lvl="2"/>
             <a:r>
-              <a:rPr lang="es-ES" smtClean="0"/>
+              <a:rPr lang="es-ES"/>
               <a:t>Tercer nivel</a:t>
             </a:r>
           </a:p>
           <a:p>
             <a:pPr lvl="3"/>
             <a:r>
-              <a:rPr lang="es-ES" smtClean="0"/>
+              <a:rPr lang="es-ES"/>
               <a:t>Cuarto nivel</a:t>
             </a:r>
           </a:p>
           <a:p>
             <a:pPr lvl="4"/>
             <a:r>
-              <a:rPr lang="es-ES" smtClean="0"/>
+              <a:rPr lang="es-ES"/>
               <a:t>Quinto nivel</a:t>
             </a:r>
             <a:endParaRPr lang="en-US" dirty="0"/>
@@ -1009,7 +1014,7 @@
           <a:p>
             <a:fld id="{72489BAA-7979-4517-8966-61BA85DC7F72}" type="datetimeFigureOut">
               <a:rPr lang="es-CO" smtClean="0"/>
-              <a:t>3/01/2020</a:t>
+              <a:t>26/01/20</a:t>
             </a:fld>
             <a:endParaRPr lang="es-CO"/>
           </a:p>
@@ -1051,7 +1056,7 @@
           <a:p>
             <a:fld id="{B509982A-2996-4852-B672-3806382D2A86}" type="slidenum">
               <a:rPr lang="es-CO" smtClean="0"/>
-              <a:t>‹Nº›</a:t>
+              <a:t>‹#›</a:t>
             </a:fld>
             <a:endParaRPr lang="es-CO"/>
           </a:p>
@@ -1184,7 +1189,7 @@
           <a:lstStyle/>
           <a:p>
             <a:r>
-              <a:rPr lang="es-ES" smtClean="0"/>
+              <a:rPr lang="es-ES"/>
               <a:t>Haga clic para modificar el estilo de título del patrón</a:t>
             </a:r>
             <a:endParaRPr lang="en-US" dirty="0"/>
@@ -1213,35 +1218,35 @@
           <a:p>
             <a:pPr lvl="0"/>
             <a:r>
-              <a:rPr lang="es-ES" smtClean="0"/>
+              <a:rPr lang="es-ES"/>
               <a:t>Editar el estilo de texto del patrón</a:t>
             </a:r>
           </a:p>
           <a:p>
             <a:pPr lvl="1"/>
             <a:r>
-              <a:rPr lang="es-ES" smtClean="0"/>
+              <a:rPr lang="es-ES"/>
               <a:t>Segundo nivel</a:t>
             </a:r>
           </a:p>
           <a:p>
             <a:pPr lvl="2"/>
             <a:r>
-              <a:rPr lang="es-ES" smtClean="0"/>
+              <a:rPr lang="es-ES"/>
               <a:t>Tercer nivel</a:t>
             </a:r>
           </a:p>
           <a:p>
             <a:pPr lvl="3"/>
             <a:r>
-              <a:rPr lang="es-ES" smtClean="0"/>
+              <a:rPr lang="es-ES"/>
               <a:t>Cuarto nivel</a:t>
             </a:r>
           </a:p>
           <a:p>
             <a:pPr lvl="4"/>
             <a:r>
-              <a:rPr lang="es-ES" smtClean="0"/>
+              <a:rPr lang="es-ES"/>
               <a:t>Quinto nivel</a:t>
             </a:r>
             <a:endParaRPr lang="en-US" dirty="0"/>
@@ -1265,7 +1270,7 @@
           <a:p>
             <a:fld id="{72489BAA-7979-4517-8966-61BA85DC7F72}" type="datetimeFigureOut">
               <a:rPr lang="es-CO" smtClean="0"/>
-              <a:t>3/01/2020</a:t>
+              <a:t>26/01/20</a:t>
             </a:fld>
             <a:endParaRPr lang="es-CO"/>
           </a:p>
@@ -1307,7 +1312,7 @@
           <a:p>
             <a:fld id="{B509982A-2996-4852-B672-3806382D2A86}" type="slidenum">
               <a:rPr lang="es-CO" smtClean="0"/>
-              <a:t>‹Nº›</a:t>
+              <a:t>‹#›</a:t>
             </a:fld>
             <a:endParaRPr lang="es-CO"/>
           </a:p>
@@ -1363,7 +1368,7 @@
           </a:lstStyle>
           <a:p>
             <a:r>
-              <a:rPr lang="es-ES" smtClean="0"/>
+              <a:rPr lang="es-ES"/>
               <a:t>Haga clic para modificar el estilo de título del patrón</a:t>
             </a:r>
             <a:endParaRPr lang="en-US" dirty="0"/>
@@ -1387,35 +1392,35 @@
           <a:p>
             <a:pPr lvl="0"/>
             <a:r>
-              <a:rPr lang="es-ES" smtClean="0"/>
+              <a:rPr lang="es-ES"/>
               <a:t>Editar el estilo de texto del patrón</a:t>
             </a:r>
           </a:p>
           <a:p>
             <a:pPr lvl="1"/>
             <a:r>
-              <a:rPr lang="es-ES" smtClean="0"/>
+              <a:rPr lang="es-ES"/>
               <a:t>Segundo nivel</a:t>
             </a:r>
           </a:p>
           <a:p>
             <a:pPr lvl="2"/>
             <a:r>
-              <a:rPr lang="es-ES" smtClean="0"/>
+              <a:rPr lang="es-ES"/>
               <a:t>Tercer nivel</a:t>
             </a:r>
           </a:p>
           <a:p>
             <a:pPr lvl="3"/>
             <a:r>
-              <a:rPr lang="es-ES" smtClean="0"/>
+              <a:rPr lang="es-ES"/>
               <a:t>Cuarto nivel</a:t>
             </a:r>
           </a:p>
           <a:p>
             <a:pPr lvl="4"/>
             <a:r>
-              <a:rPr lang="es-ES" smtClean="0"/>
+              <a:rPr lang="es-ES"/>
               <a:t>Quinto nivel</a:t>
             </a:r>
             <a:endParaRPr lang="en-US" dirty="0"/>
@@ -1439,7 +1444,7 @@
           <a:p>
             <a:fld id="{72489BAA-7979-4517-8966-61BA85DC7F72}" type="datetimeFigureOut">
               <a:rPr lang="es-CO" smtClean="0"/>
-              <a:t>3/01/2020</a:t>
+              <a:t>26/01/20</a:t>
             </a:fld>
             <a:endParaRPr lang="es-CO"/>
           </a:p>
@@ -1481,7 +1486,7 @@
           <a:p>
             <a:fld id="{B509982A-2996-4852-B672-3806382D2A86}" type="slidenum">
               <a:rPr lang="es-CO" smtClean="0"/>
-              <a:t>‹Nº›</a:t>
+              <a:t>‹#›</a:t>
             </a:fld>
             <a:endParaRPr lang="es-CO"/>
           </a:p>
@@ -1630,7 +1635,7 @@
           </a:lstStyle>
           <a:p>
             <a:r>
-              <a:rPr lang="es-ES" smtClean="0"/>
+              <a:rPr lang="es-ES"/>
               <a:t>Haga clic para modificar el estilo de título del patrón</a:t>
             </a:r>
             <a:endParaRPr lang="en-US" dirty="0"/>
@@ -1751,7 +1756,7 @@
           <a:p>
             <a:pPr lvl="0"/>
             <a:r>
-              <a:rPr lang="es-ES" smtClean="0"/>
+              <a:rPr lang="es-ES"/>
               <a:t>Editar el estilo de texto del patrón</a:t>
             </a:r>
           </a:p>
@@ -1774,7 +1779,7 @@
           <a:p>
             <a:fld id="{72489BAA-7979-4517-8966-61BA85DC7F72}" type="datetimeFigureOut">
               <a:rPr lang="es-CO" smtClean="0"/>
-              <a:t>3/01/2020</a:t>
+              <a:t>26/01/20</a:t>
             </a:fld>
             <a:endParaRPr lang="es-CO"/>
           </a:p>
@@ -1816,7 +1821,7 @@
           <a:p>
             <a:fld id="{B509982A-2996-4852-B672-3806382D2A86}" type="slidenum">
               <a:rPr lang="es-CO" smtClean="0"/>
-              <a:t>‹Nº›</a:t>
+              <a:t>‹#›</a:t>
             </a:fld>
             <a:endParaRPr lang="es-CO"/>
           </a:p>
@@ -1911,7 +1916,7 @@
           <a:lstStyle/>
           <a:p>
             <a:r>
-              <a:rPr lang="es-ES" smtClean="0"/>
+              <a:rPr lang="es-ES"/>
               <a:t>Haga clic para modificar el estilo de título del patrón</a:t>
             </a:r>
             <a:endParaRPr lang="en-US" dirty="0"/>
@@ -1940,35 +1945,35 @@
           <a:p>
             <a:pPr lvl="0"/>
             <a:r>
-              <a:rPr lang="es-ES" smtClean="0"/>
+              <a:rPr lang="es-ES"/>
               <a:t>Editar el estilo de texto del patrón</a:t>
             </a:r>
           </a:p>
           <a:p>
             <a:pPr lvl="1"/>
             <a:r>
-              <a:rPr lang="es-ES" smtClean="0"/>
+              <a:rPr lang="es-ES"/>
               <a:t>Segundo nivel</a:t>
             </a:r>
           </a:p>
           <a:p>
             <a:pPr lvl="2"/>
             <a:r>
-              <a:rPr lang="es-ES" smtClean="0"/>
+              <a:rPr lang="es-ES"/>
               <a:t>Tercer nivel</a:t>
             </a:r>
           </a:p>
           <a:p>
             <a:pPr lvl="3"/>
             <a:r>
-              <a:rPr lang="es-ES" smtClean="0"/>
+              <a:rPr lang="es-ES"/>
               <a:t>Cuarto nivel</a:t>
             </a:r>
           </a:p>
           <a:p>
             <a:pPr lvl="4"/>
             <a:r>
-              <a:rPr lang="es-ES" smtClean="0"/>
+              <a:rPr lang="es-ES"/>
               <a:t>Quinto nivel</a:t>
             </a:r>
             <a:endParaRPr lang="en-US" dirty="0"/>
@@ -1997,35 +2002,35 @@
           <a:p>
             <a:pPr lvl="0"/>
             <a:r>
-              <a:rPr lang="es-ES" smtClean="0"/>
+              <a:rPr lang="es-ES"/>
               <a:t>Editar el estilo de texto del patrón</a:t>
             </a:r>
           </a:p>
           <a:p>
             <a:pPr lvl="1"/>
             <a:r>
-              <a:rPr lang="es-ES" smtClean="0"/>
+              <a:rPr lang="es-ES"/>
               <a:t>Segundo nivel</a:t>
             </a:r>
           </a:p>
           <a:p>
             <a:pPr lvl="2"/>
             <a:r>
-              <a:rPr lang="es-ES" smtClean="0"/>
+              <a:rPr lang="es-ES"/>
               <a:t>Tercer nivel</a:t>
             </a:r>
           </a:p>
           <a:p>
             <a:pPr lvl="3"/>
             <a:r>
-              <a:rPr lang="es-ES" smtClean="0"/>
+              <a:rPr lang="es-ES"/>
               <a:t>Cuarto nivel</a:t>
             </a:r>
           </a:p>
           <a:p>
             <a:pPr lvl="4"/>
             <a:r>
-              <a:rPr lang="es-ES" smtClean="0"/>
+              <a:rPr lang="es-ES"/>
               <a:t>Quinto nivel</a:t>
             </a:r>
             <a:endParaRPr lang="en-US" dirty="0"/>
@@ -2049,7 +2054,7 @@
           <a:p>
             <a:fld id="{72489BAA-7979-4517-8966-61BA85DC7F72}" type="datetimeFigureOut">
               <a:rPr lang="es-CO" smtClean="0"/>
-              <a:t>3/01/2020</a:t>
+              <a:t>26/01/20</a:t>
             </a:fld>
             <a:endParaRPr lang="es-CO"/>
           </a:p>
@@ -2091,7 +2096,7 @@
           <a:p>
             <a:fld id="{B509982A-2996-4852-B672-3806382D2A86}" type="slidenum">
               <a:rPr lang="es-CO" smtClean="0"/>
-              <a:t>‹Nº›</a:t>
+              <a:t>‹#›</a:t>
             </a:fld>
             <a:endParaRPr lang="es-CO"/>
           </a:p>
@@ -2148,7 +2153,7 @@
           <a:lstStyle/>
           <a:p>
             <a:r>
-              <a:rPr lang="es-ES" smtClean="0"/>
+              <a:rPr lang="es-ES"/>
               <a:t>Haga clic para modificar el estilo de título del patrón</a:t>
             </a:r>
             <a:endParaRPr lang="en-US" dirty="0"/>
@@ -2220,7 +2225,7 @@
           <a:p>
             <a:pPr lvl="0"/>
             <a:r>
-              <a:rPr lang="es-ES" smtClean="0"/>
+              <a:rPr lang="es-ES"/>
               <a:t>Editar el estilo de texto del patrón</a:t>
             </a:r>
           </a:p>
@@ -2248,35 +2253,35 @@
           <a:p>
             <a:pPr lvl="0"/>
             <a:r>
-              <a:rPr lang="es-ES" smtClean="0"/>
+              <a:rPr lang="es-ES"/>
               <a:t>Editar el estilo de texto del patrón</a:t>
             </a:r>
           </a:p>
           <a:p>
             <a:pPr lvl="1"/>
             <a:r>
-              <a:rPr lang="es-ES" smtClean="0"/>
+              <a:rPr lang="es-ES"/>
               <a:t>Segundo nivel</a:t>
             </a:r>
           </a:p>
           <a:p>
             <a:pPr lvl="2"/>
             <a:r>
-              <a:rPr lang="es-ES" smtClean="0"/>
+              <a:rPr lang="es-ES"/>
               <a:t>Tercer nivel</a:t>
             </a:r>
           </a:p>
           <a:p>
             <a:pPr lvl="3"/>
             <a:r>
-              <a:rPr lang="es-ES" smtClean="0"/>
+              <a:rPr lang="es-ES"/>
               <a:t>Cuarto nivel</a:t>
             </a:r>
           </a:p>
           <a:p>
             <a:pPr lvl="4"/>
             <a:r>
-              <a:rPr lang="es-ES" smtClean="0"/>
+              <a:rPr lang="es-ES"/>
               <a:t>Quinto nivel</a:t>
             </a:r>
             <a:endParaRPr lang="en-US" dirty="0"/>
@@ -2348,7 +2353,7 @@
           <a:p>
             <a:pPr lvl="0"/>
             <a:r>
-              <a:rPr lang="es-ES" smtClean="0"/>
+              <a:rPr lang="es-ES"/>
               <a:t>Editar el estilo de texto del patrón</a:t>
             </a:r>
           </a:p>
@@ -2376,35 +2381,35 @@
           <a:p>
             <a:pPr lvl="0"/>
             <a:r>
-              <a:rPr lang="es-ES" smtClean="0"/>
+              <a:rPr lang="es-ES"/>
               <a:t>Editar el estilo de texto del patrón</a:t>
             </a:r>
           </a:p>
           <a:p>
             <a:pPr lvl="1"/>
             <a:r>
-              <a:rPr lang="es-ES" smtClean="0"/>
+              <a:rPr lang="es-ES"/>
               <a:t>Segundo nivel</a:t>
             </a:r>
           </a:p>
           <a:p>
             <a:pPr lvl="2"/>
             <a:r>
-              <a:rPr lang="es-ES" smtClean="0"/>
+              <a:rPr lang="es-ES"/>
               <a:t>Tercer nivel</a:t>
             </a:r>
           </a:p>
           <a:p>
             <a:pPr lvl="3"/>
             <a:r>
-              <a:rPr lang="es-ES" smtClean="0"/>
+              <a:rPr lang="es-ES"/>
               <a:t>Cuarto nivel</a:t>
             </a:r>
           </a:p>
           <a:p>
             <a:pPr lvl="4"/>
             <a:r>
-              <a:rPr lang="es-ES" smtClean="0"/>
+              <a:rPr lang="es-ES"/>
               <a:t>Quinto nivel</a:t>
             </a:r>
             <a:endParaRPr lang="en-US" dirty="0"/>
@@ -2428,7 +2433,7 @@
           <a:p>
             <a:fld id="{72489BAA-7979-4517-8966-61BA85DC7F72}" type="datetimeFigureOut">
               <a:rPr lang="es-CO" smtClean="0"/>
-              <a:t>3/01/2020</a:t>
+              <a:t>26/01/20</a:t>
             </a:fld>
             <a:endParaRPr lang="es-CO"/>
           </a:p>
@@ -2470,7 +2475,7 @@
           <a:p>
             <a:fld id="{B509982A-2996-4852-B672-3806382D2A86}" type="slidenum">
               <a:rPr lang="es-CO" smtClean="0"/>
-              <a:t>‹Nº›</a:t>
+              <a:t>‹#›</a:t>
             </a:fld>
             <a:endParaRPr lang="es-CO"/>
           </a:p>
@@ -2522,7 +2527,7 @@
           <a:lstStyle/>
           <a:p>
             <a:r>
-              <a:rPr lang="es-ES" smtClean="0"/>
+              <a:rPr lang="es-ES"/>
               <a:t>Haga clic para modificar el estilo de título del patrón</a:t>
             </a:r>
             <a:endParaRPr lang="en-US" dirty="0"/>
@@ -2546,7 +2551,7 @@
           <a:p>
             <a:fld id="{72489BAA-7979-4517-8966-61BA85DC7F72}" type="datetimeFigureOut">
               <a:rPr lang="es-CO" smtClean="0"/>
-              <a:t>3/01/2020</a:t>
+              <a:t>26/01/20</a:t>
             </a:fld>
             <a:endParaRPr lang="es-CO"/>
           </a:p>
@@ -2588,7 +2593,7 @@
           <a:p>
             <a:fld id="{B509982A-2996-4852-B672-3806382D2A86}" type="slidenum">
               <a:rPr lang="es-CO" smtClean="0"/>
-              <a:t>‹Nº›</a:t>
+              <a:t>‹#›</a:t>
             </a:fld>
             <a:endParaRPr lang="es-CO"/>
           </a:p>
@@ -2717,7 +2722,7 @@
           <a:p>
             <a:fld id="{72489BAA-7979-4517-8966-61BA85DC7F72}" type="datetimeFigureOut">
               <a:rPr lang="es-CO" smtClean="0"/>
-              <a:t>3/01/2020</a:t>
+              <a:t>26/01/20</a:t>
             </a:fld>
             <a:endParaRPr lang="es-CO"/>
           </a:p>
@@ -2767,7 +2772,7 @@
           <a:p>
             <a:fld id="{B509982A-2996-4852-B672-3806382D2A86}" type="slidenum">
               <a:rPr lang="es-CO" smtClean="0"/>
-              <a:t>‹Nº›</a:t>
+              <a:t>‹#›</a:t>
             </a:fld>
             <a:endParaRPr lang="es-CO"/>
           </a:p>
@@ -2910,7 +2915,7 @@
           </a:lstStyle>
           <a:p>
             <a:r>
-              <a:rPr lang="es-ES" smtClean="0"/>
+              <a:rPr lang="es-ES"/>
               <a:t>Haga clic para modificar el estilo de título del patrón</a:t>
             </a:r>
             <a:endParaRPr lang="en-US" dirty="0"/>
@@ -2939,35 +2944,35 @@
           <a:p>
             <a:pPr lvl="0"/>
             <a:r>
-              <a:rPr lang="es-ES" smtClean="0"/>
+              <a:rPr lang="es-ES"/>
               <a:t>Editar el estilo de texto del patrón</a:t>
             </a:r>
           </a:p>
           <a:p>
             <a:pPr lvl="1"/>
             <a:r>
-              <a:rPr lang="es-ES" smtClean="0"/>
+              <a:rPr lang="es-ES"/>
               <a:t>Segundo nivel</a:t>
             </a:r>
           </a:p>
           <a:p>
             <a:pPr lvl="2"/>
             <a:r>
-              <a:rPr lang="es-ES" smtClean="0"/>
+              <a:rPr lang="es-ES"/>
               <a:t>Tercer nivel</a:t>
             </a:r>
           </a:p>
           <a:p>
             <a:pPr lvl="3"/>
             <a:r>
-              <a:rPr lang="es-ES" smtClean="0"/>
+              <a:rPr lang="es-ES"/>
               <a:t>Cuarto nivel</a:t>
             </a:r>
           </a:p>
           <a:p>
             <a:pPr lvl="4"/>
             <a:r>
-              <a:rPr lang="es-ES" smtClean="0"/>
+              <a:rPr lang="es-ES"/>
               <a:t>Quinto nivel</a:t>
             </a:r>
             <a:endParaRPr lang="en-US" dirty="0"/>
@@ -3039,7 +3044,7 @@
           <a:p>
             <a:pPr lvl="0"/>
             <a:r>
-              <a:rPr lang="es-ES" smtClean="0"/>
+              <a:rPr lang="es-ES"/>
               <a:t>Editar el estilo de texto del patrón</a:t>
             </a:r>
           </a:p>
@@ -3071,7 +3076,7 @@
           <a:p>
             <a:fld id="{72489BAA-7979-4517-8966-61BA85DC7F72}" type="datetimeFigureOut">
               <a:rPr lang="es-CO" smtClean="0"/>
-              <a:t>3/01/2020</a:t>
+              <a:t>26/01/20</a:t>
             </a:fld>
             <a:endParaRPr lang="es-CO"/>
           </a:p>
@@ -3134,7 +3139,7 @@
           <a:p>
             <a:fld id="{B509982A-2996-4852-B672-3806382D2A86}" type="slidenum">
               <a:rPr lang="es-CO" smtClean="0"/>
-              <a:t>‹Nº›</a:t>
+              <a:t>‹#›</a:t>
             </a:fld>
             <a:endParaRPr lang="es-CO"/>
           </a:p>
@@ -3277,7 +3282,7 @@
           </a:lstStyle>
           <a:p>
             <a:r>
-              <a:rPr lang="es-ES" smtClean="0"/>
+              <a:rPr lang="es-ES"/>
               <a:t>Haga clic para modificar el estilo de título del patrón</a:t>
             </a:r>
             <a:endParaRPr lang="en-US" dirty="0"/>
@@ -3352,7 +3357,7 @@
           </a:lstStyle>
           <a:p>
             <a:r>
-              <a:rPr lang="es-ES" smtClean="0"/>
+              <a:rPr lang="es-ES"/>
               <a:t>Haga clic en el icono para agregar una imagen</a:t>
             </a:r>
             <a:endParaRPr lang="en-US" dirty="0"/>
@@ -3430,7 +3435,7 @@
           <a:p>
             <a:pPr lvl="0"/>
             <a:r>
-              <a:rPr lang="es-ES" smtClean="0"/>
+              <a:rPr lang="es-ES"/>
               <a:t>Editar el estilo de texto del patrón</a:t>
             </a:r>
           </a:p>
@@ -3453,7 +3458,7 @@
           <a:p>
             <a:fld id="{72489BAA-7979-4517-8966-61BA85DC7F72}" type="datetimeFigureOut">
               <a:rPr lang="es-CO" smtClean="0"/>
-              <a:t>3/01/2020</a:t>
+              <a:t>26/01/20</a:t>
             </a:fld>
             <a:endParaRPr lang="es-CO"/>
           </a:p>
@@ -3495,7 +3500,7 @@
           <a:p>
             <a:fld id="{B509982A-2996-4852-B672-3806382D2A86}" type="slidenum">
               <a:rPr lang="es-CO" smtClean="0"/>
-              <a:t>‹Nº›</a:t>
+              <a:t>‹#›</a:t>
             </a:fld>
             <a:endParaRPr lang="es-CO"/>
           </a:p>
@@ -3638,7 +3643,7 @@
           <a:lstStyle/>
           <a:p>
             <a:r>
-              <a:rPr lang="es-ES" smtClean="0"/>
+              <a:rPr lang="es-ES"/>
               <a:t>Haga clic para modificar el estilo de título del patrón</a:t>
             </a:r>
             <a:endParaRPr lang="en-US" dirty="0"/>
@@ -3672,35 +3677,35 @@
           <a:p>
             <a:pPr lvl="0"/>
             <a:r>
-              <a:rPr lang="es-ES" smtClean="0"/>
+              <a:rPr lang="es-ES"/>
               <a:t>Editar el estilo de texto del patrón</a:t>
             </a:r>
           </a:p>
           <a:p>
             <a:pPr lvl="1"/>
             <a:r>
-              <a:rPr lang="es-ES" smtClean="0"/>
+              <a:rPr lang="es-ES"/>
               <a:t>Segundo nivel</a:t>
             </a:r>
           </a:p>
           <a:p>
             <a:pPr lvl="2"/>
             <a:r>
-              <a:rPr lang="es-ES" smtClean="0"/>
+              <a:rPr lang="es-ES"/>
               <a:t>Tercer nivel</a:t>
             </a:r>
           </a:p>
           <a:p>
             <a:pPr lvl="3"/>
             <a:r>
-              <a:rPr lang="es-ES" smtClean="0"/>
+              <a:rPr lang="es-ES"/>
               <a:t>Cuarto nivel</a:t>
             </a:r>
           </a:p>
           <a:p>
             <a:pPr lvl="4"/>
             <a:r>
-              <a:rPr lang="es-ES" smtClean="0"/>
+              <a:rPr lang="es-ES"/>
               <a:t>Quinto nivel</a:t>
             </a:r>
             <a:endParaRPr lang="en-US" dirty="0"/>
@@ -3740,7 +3745,7 @@
           <a:p>
             <a:fld id="{72489BAA-7979-4517-8966-61BA85DC7F72}" type="datetimeFigureOut">
               <a:rPr lang="es-CO" smtClean="0"/>
-              <a:t>3/01/2020</a:t>
+              <a:t>26/01/20</a:t>
             </a:fld>
             <a:endParaRPr lang="es-CO"/>
           </a:p>
@@ -3814,7 +3819,7 @@
           <a:p>
             <a:fld id="{B509982A-2996-4852-B672-3806382D2A86}" type="slidenum">
               <a:rPr lang="es-CO" smtClean="0"/>
-              <a:t>‹Nº›</a:t>
+              <a:t>‹#›</a:t>
             </a:fld>
             <a:endParaRPr lang="es-CO"/>
           </a:p>
@@ -4291,7 +4296,7 @@
               </a:spcBef>
             </a:pPr>
             <a:r>
-              <a:rPr lang="es" dirty="0" smtClean="0"/>
+              <a:rPr lang="es" dirty="0"/>
               <a:t>RETO 1</a:t>
             </a:r>
             <a:endParaRPr dirty="0"/>
@@ -4325,7 +4330,7 @@
               </a:spcBef>
             </a:pPr>
             <a:r>
-              <a:rPr lang="es-ES" dirty="0" smtClean="0"/>
+              <a:rPr lang="es-ES" dirty="0"/>
               <a:t>FECHA DE ENTREGA</a:t>
             </a:r>
           </a:p>
@@ -4337,11 +4342,7 @@
             </a:pPr>
             <a:r>
               <a:rPr lang="es-ES"/>
-              <a:t>8</a:t>
-            </a:r>
-            <a:r>
-              <a:rPr lang="es-ES" smtClean="0"/>
-              <a:t> de SEPTIEMBRE</a:t>
+              <a:t>8 de SEPTIEMBRE</a:t>
             </a:r>
             <a:endParaRPr dirty="0"/>
           </a:p>
@@ -4398,13 +4399,6 @@
   <p:clrMapOvr>
     <a:masterClrMapping/>
   </p:clrMapOvr>
-  <p:timing>
-    <p:tnLst>
-      <p:par>
-        <p:cTn id="1" dur="indefinite" restart="never" nodeType="tmRoot"/>
-      </p:par>
-    </p:tnLst>
-  </p:timing>
 </p:sld>
 </file>
 
@@ -4513,7 +4507,7 @@
           <a:lstStyle/>
           <a:p>
             <a:r>
-              <a:rPr lang="es-ES" dirty="0" smtClean="0"/>
+              <a:rPr lang="es-ES" dirty="0"/>
               <a:t>RETO 1: GOOGLE MAPS</a:t>
             </a:r>
             <a:endParaRPr lang="es-CO" dirty="0"/>
@@ -5103,13 +5097,6 @@
   <p:clrMapOvr>
     <a:masterClrMapping/>
   </p:clrMapOvr>
-  <p:timing>
-    <p:tnLst>
-      <p:par>
-        <p:cTn id="1" dur="indefinite" restart="never" nodeType="tmRoot"/>
-      </p:par>
-    </p:tnLst>
-  </p:timing>
 </p:sld>
 </file>
 
@@ -5174,7 +5161,7 @@
           <a:lstStyle/>
           <a:p>
             <a:r>
-              <a:rPr lang="es-ES" dirty="0" smtClean="0"/>
+              <a:rPr lang="es-ES" dirty="0"/>
               <a:t>RETO 1: GOOGLE MAPS</a:t>
             </a:r>
             <a:endParaRPr lang="es-CO" dirty="0"/>
@@ -5721,13 +5708,6 @@
   <p:clrMapOvr>
     <a:masterClrMapping/>
   </p:clrMapOvr>
-  <p:timing>
-    <p:tnLst>
-      <p:par>
-        <p:cTn id="1" dur="indefinite" restart="never" nodeType="tmRoot"/>
-      </p:par>
-    </p:tnLst>
-  </p:timing>
 </p:sld>
 </file>
 
@@ -5792,7 +5772,7 @@
           <a:lstStyle/>
           <a:p>
             <a:r>
-              <a:rPr lang="es-ES" dirty="0" smtClean="0"/>
+              <a:rPr lang="es-ES" dirty="0"/>
               <a:t>RETO 1: GOOGLE MAPS</a:t>
             </a:r>
             <a:endParaRPr lang="es-CO" dirty="0"/>
@@ -6321,13 +6301,6 @@
   <p:clrMapOvr>
     <a:masterClrMapping/>
   </p:clrMapOvr>
-  <p:timing>
-    <p:tnLst>
-      <p:par>
-        <p:cTn id="1" dur="indefinite" restart="never" nodeType="tmRoot"/>
-      </p:par>
-    </p:tnLst>
-  </p:timing>
 </p:sld>
 </file>
 
@@ -6392,7 +6365,7 @@
           <a:lstStyle/>
           <a:p>
             <a:r>
-              <a:rPr lang="es-ES" dirty="0" smtClean="0"/>
+              <a:rPr lang="es-ES" dirty="0"/>
               <a:t>RETO 1: GOOGLE MAPS</a:t>
             </a:r>
             <a:endParaRPr lang="es-CO" dirty="0"/>
@@ -6905,13 +6878,6 @@
   <p:clrMapOvr>
     <a:masterClrMapping/>
   </p:clrMapOvr>
-  <p:timing>
-    <p:tnLst>
-      <p:par>
-        <p:cTn id="1" dur="indefinite" restart="never" nodeType="tmRoot"/>
-      </p:par>
-    </p:tnLst>
-  </p:timing>
 </p:sld>
 </file>
 
@@ -6976,7 +6942,7 @@
           <a:lstStyle/>
           <a:p>
             <a:r>
-              <a:rPr lang="es-ES" dirty="0" smtClean="0"/>
+              <a:rPr lang="es-ES" dirty="0"/>
               <a:t>RETO 1: GOOGLE MAPS</a:t>
             </a:r>
             <a:endParaRPr lang="es-CO" dirty="0"/>
@@ -7472,13 +7438,6 @@
   <p:clrMapOvr>
     <a:masterClrMapping/>
   </p:clrMapOvr>
-  <p:timing>
-    <p:tnLst>
-      <p:par>
-        <p:cTn id="1" dur="indefinite" restart="never" nodeType="tmRoot"/>
-      </p:par>
-    </p:tnLst>
-  </p:timing>
 </p:sld>
 </file>
 
@@ -7515,7 +7474,7 @@
           <a:lstStyle/>
           <a:p>
             <a:r>
-              <a:rPr lang="es-ES" dirty="0" smtClean="0"/>
+              <a:rPr lang="es-ES" dirty="0"/>
               <a:t>Lista de requerimientos	</a:t>
             </a:r>
             <a:endParaRPr lang="es-CO" dirty="0"/>
@@ -7540,118 +7499,118 @@
           <a:lstStyle/>
           <a:p>
             <a:r>
-              <a:rPr lang="es-ES" dirty="0" smtClean="0"/>
+              <a:rPr lang="es-ES" dirty="0"/>
               <a:t>1. Que el mapa siga mi rastro. </a:t>
             </a:r>
             <a:r>
-              <a:rPr lang="es-ES" b="1" dirty="0" smtClean="0"/>
+              <a:rPr lang="es-ES" b="1" dirty="0"/>
               <a:t>1 punto</a:t>
             </a:r>
           </a:p>
           <a:p>
             <a:r>
-              <a:rPr lang="es-ES" dirty="0" smtClean="0"/>
+              <a:rPr lang="es-ES" dirty="0"/>
               <a:t>2. La cámara del mapa siempre debe estar centrada en la posición del usuario. </a:t>
             </a:r>
             <a:r>
-              <a:rPr lang="es-ES" b="1" dirty="0" smtClean="0"/>
+              <a:rPr lang="es-ES" b="1" dirty="0"/>
               <a:t>0.5 puntos</a:t>
             </a:r>
             <a:r>
-              <a:rPr lang="es-ES" dirty="0" smtClean="0"/>
+              <a:rPr lang="es-ES" dirty="0"/>
               <a:t>.</a:t>
             </a:r>
-            <a:endParaRPr lang="es-ES" b="1" dirty="0" smtClean="0"/>
-          </a:p>
-          <a:p>
-            <a:r>
-              <a:rPr lang="es-ES" dirty="0" smtClean="0"/>
+            <a:endParaRPr lang="es-ES" b="1" dirty="0"/>
+          </a:p>
+          <a:p>
+            <a:r>
+              <a:rPr lang="es-ES" dirty="0"/>
               <a:t>3. Debe tener un botón que habilite la función de agregar marcadores de lugares. </a:t>
             </a:r>
             <a:r>
-              <a:rPr lang="es-ES" b="1" dirty="0" smtClean="0"/>
+              <a:rPr lang="es-ES" b="1" dirty="0"/>
               <a:t>0.5 puntos</a:t>
             </a:r>
             <a:r>
-              <a:rPr lang="es-ES" dirty="0" smtClean="0"/>
+              <a:rPr lang="es-ES" dirty="0"/>
               <a:t>.</a:t>
             </a:r>
-            <a:endParaRPr lang="es-ES" b="1" dirty="0" smtClean="0"/>
-          </a:p>
-          <a:p>
-            <a:r>
-              <a:rPr lang="es-ES" dirty="0" smtClean="0"/>
+            <a:endParaRPr lang="es-ES" b="1" dirty="0"/>
+          </a:p>
+          <a:p>
+            <a:r>
+              <a:rPr lang="es-ES" dirty="0"/>
               <a:t>4. Los marcadores que se agregan deben poderse nombrar. </a:t>
             </a:r>
             <a:r>
-              <a:rPr lang="es-ES" b="1" dirty="0" smtClean="0"/>
+              <a:rPr lang="es-ES" b="1" dirty="0"/>
               <a:t>0.5 puntos</a:t>
             </a:r>
             <a:r>
-              <a:rPr lang="es-ES" dirty="0" smtClean="0"/>
+              <a:rPr lang="es-ES" dirty="0"/>
               <a:t>.</a:t>
             </a:r>
-            <a:endParaRPr lang="es-ES" b="1" dirty="0" smtClean="0"/>
-          </a:p>
-          <a:p>
-            <a:r>
-              <a:rPr lang="es-ES" dirty="0" smtClean="0"/>
+            <a:endParaRPr lang="es-ES" b="1" dirty="0"/>
+          </a:p>
+          <a:p>
+            <a:r>
+              <a:rPr lang="es-ES" dirty="0"/>
               <a:t>5. El cajón inferior de la aplicación debe informar cuál es el marcador de lugar más cercano al usuario. Si se encuentra muy cerca, el cajón debe indicar que el usuario se encuentra en dicho lugar</a:t>
             </a:r>
             <a:r>
-              <a:rPr lang="es-CO" dirty="0" smtClean="0"/>
+              <a:rPr lang="es-CO" dirty="0"/>
               <a:t>. </a:t>
             </a:r>
             <a:r>
-              <a:rPr lang="es-CO" b="1" dirty="0" smtClean="0"/>
+              <a:rPr lang="es-CO" b="1" dirty="0"/>
               <a:t>1 punto</a:t>
             </a:r>
             <a:r>
-              <a:rPr lang="es-CO" dirty="0" smtClean="0"/>
+              <a:rPr lang="es-CO" dirty="0"/>
               <a:t>.</a:t>
             </a:r>
           </a:p>
           <a:p>
             <a:r>
-              <a:rPr lang="es-ES" dirty="0" smtClean="0"/>
+              <a:rPr lang="es-ES" dirty="0"/>
               <a:t>6. Dar </a:t>
             </a:r>
             <a:r>
-              <a:rPr lang="es-ES" dirty="0" err="1" smtClean="0"/>
+              <a:rPr lang="es-ES" dirty="0" err="1"/>
               <a:t>click</a:t>
             </a:r>
             <a:r>
-              <a:rPr lang="es-ES" dirty="0" smtClean="0"/>
+              <a:rPr lang="es-ES" dirty="0"/>
               <a:t> en un marcador de lugar debe informar a cuántos metros se encuentra el usuario de ese lugar. </a:t>
             </a:r>
             <a:r>
-              <a:rPr lang="es-ES" b="1" dirty="0" smtClean="0"/>
+              <a:rPr lang="es-ES" b="1" dirty="0"/>
               <a:t>0.5 puntos</a:t>
             </a:r>
             <a:r>
-              <a:rPr lang="es-ES" dirty="0" smtClean="0"/>
+              <a:rPr lang="es-ES" dirty="0"/>
               <a:t>.</a:t>
             </a:r>
           </a:p>
           <a:p>
             <a:r>
-              <a:rPr lang="es-ES" dirty="0" smtClean="0"/>
+              <a:rPr lang="es-ES" dirty="0"/>
               <a:t>7. Dar </a:t>
             </a:r>
             <a:r>
-              <a:rPr lang="es-ES" dirty="0" err="1" smtClean="0"/>
+              <a:rPr lang="es-ES" dirty="0" err="1"/>
               <a:t>click</a:t>
             </a:r>
             <a:r>
-              <a:rPr lang="es-ES" dirty="0" smtClean="0"/>
+              <a:rPr lang="es-ES" dirty="0"/>
               <a:t> en el lugar del usuario debe decir en qué dirección se encuentra ubicado (Ej.: Calle 18, Carrera 122…) </a:t>
             </a:r>
             <a:r>
-              <a:rPr lang="es-ES" b="1" dirty="0" smtClean="0"/>
+              <a:rPr lang="es-ES" b="1" dirty="0"/>
               <a:t>1 punto</a:t>
             </a:r>
             <a:r>
-              <a:rPr lang="es-ES" dirty="0" smtClean="0"/>
+              <a:rPr lang="es-ES" dirty="0"/>
               <a:t> .</a:t>
             </a:r>
           </a:p>
@@ -7708,13 +7667,6 @@
   <p:clrMapOvr>
     <a:masterClrMapping/>
   </p:clrMapOvr>
-  <p:timing>
-    <p:tnLst>
-      <p:par>
-        <p:cTn id="1" dur="indefinite" restart="never" nodeType="tmRoot"/>
-      </p:par>
-    </p:tnLst>
-  </p:timing>
 </p:sld>
 </file>
 
